--- a/static/image-support.pptx
+++ b/static/image-support.pptx
@@ -5,14 +5,15 @@
     <p:sldMasterId id="2147483648" r:id="rId1"/>
   </p:sldMasterIdLst>
   <p:notesMasterIdLst>
-    <p:notesMasterId r:id="rId4"/>
+    <p:notesMasterId r:id="rId5"/>
   </p:notesMasterIdLst>
   <p:handoutMasterIdLst>
-    <p:handoutMasterId r:id="rId5"/>
+    <p:handoutMasterId r:id="rId6"/>
   </p:handoutMasterIdLst>
   <p:sldIdLst>
     <p:sldId id="432" r:id="rId2"/>
     <p:sldId id="433" r:id="rId3"/>
+    <p:sldId id="434" r:id="rId4"/>
   </p:sldIdLst>
   <p:sldSz cx="10842625" cy="6099175"/>
   <p:notesSz cx="6797675" cy="9929813"/>
@@ -189,7 +190,7 @@
 <file path=ppt/revisionInfo.xml><?xml version="1.0" encoding="utf-8"?>
 <p1510:revInfo xmlns:a="http://schemas.openxmlformats.org/drawingml/2006/main" xmlns:r="http://schemas.openxmlformats.org/officeDocument/2006/relationships" xmlns:p1510="http://schemas.microsoft.com/office/powerpoint/2015/10/main">
   <p1510:revLst>
-    <p1510:client id="{45311A73-93A6-4B44-9F30-450DD51E0866}" v="124" dt="2021-04-13T07:35:58.016"/>
+    <p1510:client id="{45311A73-93A6-4B44-9F30-450DD51E0866}" v="328" dt="2021-05-13T13:42:23.304"/>
   </p1510:revLst>
 </p1510:revInfo>
 </file>
@@ -199,7 +200,7 @@
   <pc:docChgLst>
     <pc:chgData name="Federico Perini" userId="dd6016fc4604f770" providerId="LiveId" clId="{45311A73-93A6-4B44-9F30-450DD51E0866}"/>
     <pc:docChg chg="custSel addSld delSld modSld">
-      <pc:chgData name="Federico Perini" userId="dd6016fc4604f770" providerId="LiveId" clId="{45311A73-93A6-4B44-9F30-450DD51E0866}" dt="2021-04-13T07:36:02.692" v="471" actId="1076"/>
+      <pc:chgData name="Federico Perini" userId="dd6016fc4604f770" providerId="LiveId" clId="{45311A73-93A6-4B44-9F30-450DD51E0866}" dt="2021-05-13T13:42:26.365" v="686" actId="1076"/>
       <pc:docMkLst>
         <pc:docMk/>
       </pc:docMkLst>
@@ -896,6 +897,365 @@
           <ac:cxnSpMkLst>
             <pc:docMk/>
             <pc:sldMk cId="2843157709" sldId="433"/>
+            <ac:cxnSpMk id="93" creationId="{2B8D53CD-BB92-4468-8B42-E8242A3114A3}"/>
+          </ac:cxnSpMkLst>
+        </pc:cxnChg>
+      </pc:sldChg>
+      <pc:sldChg chg="addSp delSp modSp add mod">
+        <pc:chgData name="Federico Perini" userId="dd6016fc4604f770" providerId="LiveId" clId="{45311A73-93A6-4B44-9F30-450DD51E0866}" dt="2021-05-13T13:42:26.365" v="686" actId="1076"/>
+        <pc:sldMkLst>
+          <pc:docMk/>
+          <pc:sldMk cId="3147353065" sldId="434"/>
+        </pc:sldMkLst>
+        <pc:spChg chg="add mod">
+          <ac:chgData name="Federico Perini" userId="dd6016fc4604f770" providerId="LiveId" clId="{45311A73-93A6-4B44-9F30-450DD51E0866}" dt="2021-05-13T13:42:26.365" v="686" actId="1076"/>
+          <ac:spMkLst>
+            <pc:docMk/>
+            <pc:sldMk cId="3147353065" sldId="434"/>
+            <ac:spMk id="2" creationId="{7CA85727-4A73-4B10-8178-C06B0B2B33C5}"/>
+          </ac:spMkLst>
+        </pc:spChg>
+        <pc:spChg chg="del">
+          <ac:chgData name="Federico Perini" userId="dd6016fc4604f770" providerId="LiveId" clId="{45311A73-93A6-4B44-9F30-450DD51E0866}" dt="2021-05-13T13:36:14.070" v="473" actId="478"/>
+          <ac:spMkLst>
+            <pc:docMk/>
+            <pc:sldMk cId="3147353065" sldId="434"/>
+            <ac:spMk id="9" creationId="{A78AAF1C-2ACF-4BA7-AABA-7BC2A14D6212}"/>
+          </ac:spMkLst>
+        </pc:spChg>
+        <pc:spChg chg="del">
+          <ac:chgData name="Federico Perini" userId="dd6016fc4604f770" providerId="LiveId" clId="{45311A73-93A6-4B44-9F30-450DD51E0866}" dt="2021-05-13T13:36:14.070" v="473" actId="478"/>
+          <ac:spMkLst>
+            <pc:docMk/>
+            <pc:sldMk cId="3147353065" sldId="434"/>
+            <ac:spMk id="10" creationId="{B68D206D-33D7-4C9C-9E42-3496689EA8EE}"/>
+          </ac:spMkLst>
+        </pc:spChg>
+        <pc:spChg chg="del">
+          <ac:chgData name="Federico Perini" userId="dd6016fc4604f770" providerId="LiveId" clId="{45311A73-93A6-4B44-9F30-450DD51E0866}" dt="2021-05-13T13:36:14.070" v="473" actId="478"/>
+          <ac:spMkLst>
+            <pc:docMk/>
+            <pc:sldMk cId="3147353065" sldId="434"/>
+            <ac:spMk id="11" creationId="{9EA85414-DB47-4070-9511-E70324BD5938}"/>
+          </ac:spMkLst>
+        </pc:spChg>
+        <pc:spChg chg="del">
+          <ac:chgData name="Federico Perini" userId="dd6016fc4604f770" providerId="LiveId" clId="{45311A73-93A6-4B44-9F30-450DD51E0866}" dt="2021-05-13T13:36:14.070" v="473" actId="478"/>
+          <ac:spMkLst>
+            <pc:docMk/>
+            <pc:sldMk cId="3147353065" sldId="434"/>
+            <ac:spMk id="24" creationId="{D900886B-0F11-44EB-8359-FF229BAE92FB}"/>
+          </ac:spMkLst>
+        </pc:spChg>
+        <pc:spChg chg="del">
+          <ac:chgData name="Federico Perini" userId="dd6016fc4604f770" providerId="LiveId" clId="{45311A73-93A6-4B44-9F30-450DD51E0866}" dt="2021-05-13T13:36:14.070" v="473" actId="478"/>
+          <ac:spMkLst>
+            <pc:docMk/>
+            <pc:sldMk cId="3147353065" sldId="434"/>
+            <ac:spMk id="27" creationId="{DD3D9F46-54F7-41C6-8064-C5869699B704}"/>
+          </ac:spMkLst>
+        </pc:spChg>
+        <pc:spChg chg="del">
+          <ac:chgData name="Federico Perini" userId="dd6016fc4604f770" providerId="LiveId" clId="{45311A73-93A6-4B44-9F30-450DD51E0866}" dt="2021-05-13T13:36:14.070" v="473" actId="478"/>
+          <ac:spMkLst>
+            <pc:docMk/>
+            <pc:sldMk cId="3147353065" sldId="434"/>
+            <ac:spMk id="33" creationId="{29169F80-F0BB-4608-87E7-E27560D3FE64}"/>
+          </ac:spMkLst>
+        </pc:spChg>
+        <pc:spChg chg="del">
+          <ac:chgData name="Federico Perini" userId="dd6016fc4604f770" providerId="LiveId" clId="{45311A73-93A6-4B44-9F30-450DD51E0866}" dt="2021-05-13T13:36:14.070" v="473" actId="478"/>
+          <ac:spMkLst>
+            <pc:docMk/>
+            <pc:sldMk cId="3147353065" sldId="434"/>
+            <ac:spMk id="38" creationId="{8F74858C-0AEF-43D1-9BF9-48BFBF7816FB}"/>
+          </ac:spMkLst>
+        </pc:spChg>
+        <pc:spChg chg="del">
+          <ac:chgData name="Federico Perini" userId="dd6016fc4604f770" providerId="LiveId" clId="{45311A73-93A6-4B44-9F30-450DD51E0866}" dt="2021-05-13T13:36:14.070" v="473" actId="478"/>
+          <ac:spMkLst>
+            <pc:docMk/>
+            <pc:sldMk cId="3147353065" sldId="434"/>
+            <ac:spMk id="39" creationId="{B9E68D01-A5A6-43AD-9DF4-828B444DBBA4}"/>
+          </ac:spMkLst>
+        </pc:spChg>
+        <pc:spChg chg="del">
+          <ac:chgData name="Federico Perini" userId="dd6016fc4604f770" providerId="LiveId" clId="{45311A73-93A6-4B44-9F30-450DD51E0866}" dt="2021-05-13T13:36:14.070" v="473" actId="478"/>
+          <ac:spMkLst>
+            <pc:docMk/>
+            <pc:sldMk cId="3147353065" sldId="434"/>
+            <ac:spMk id="42" creationId="{40D67641-89CD-4D3F-B1BB-9D28FBB736C0}"/>
+          </ac:spMkLst>
+        </pc:spChg>
+        <pc:spChg chg="del">
+          <ac:chgData name="Federico Perini" userId="dd6016fc4604f770" providerId="LiveId" clId="{45311A73-93A6-4B44-9F30-450DD51E0866}" dt="2021-05-13T13:36:14.070" v="473" actId="478"/>
+          <ac:spMkLst>
+            <pc:docMk/>
+            <pc:sldMk cId="3147353065" sldId="434"/>
+            <ac:spMk id="44" creationId="{5488D58A-C57D-462C-A2C5-931DD08C0835}"/>
+          </ac:spMkLst>
+        </pc:spChg>
+        <pc:spChg chg="del">
+          <ac:chgData name="Federico Perini" userId="dd6016fc4604f770" providerId="LiveId" clId="{45311A73-93A6-4B44-9F30-450DD51E0866}" dt="2021-05-13T13:36:14.070" v="473" actId="478"/>
+          <ac:spMkLst>
+            <pc:docMk/>
+            <pc:sldMk cId="3147353065" sldId="434"/>
+            <ac:spMk id="47" creationId="{30006478-F2C2-4EB9-BFFD-79B11F094D70}"/>
+          </ac:spMkLst>
+        </pc:spChg>
+        <pc:spChg chg="del">
+          <ac:chgData name="Federico Perini" userId="dd6016fc4604f770" providerId="LiveId" clId="{45311A73-93A6-4B44-9F30-450DD51E0866}" dt="2021-05-13T13:36:14.070" v="473" actId="478"/>
+          <ac:spMkLst>
+            <pc:docMk/>
+            <pc:sldMk cId="3147353065" sldId="434"/>
+            <ac:spMk id="52" creationId="{8C0053EF-069D-4EA9-93BD-0D16AAD3655B}"/>
+          </ac:spMkLst>
+        </pc:spChg>
+        <pc:spChg chg="del">
+          <ac:chgData name="Federico Perini" userId="dd6016fc4604f770" providerId="LiveId" clId="{45311A73-93A6-4B44-9F30-450DD51E0866}" dt="2021-05-13T13:36:14.070" v="473" actId="478"/>
+          <ac:spMkLst>
+            <pc:docMk/>
+            <pc:sldMk cId="3147353065" sldId="434"/>
+            <ac:spMk id="53" creationId="{2D43FE73-23A7-4090-A3BE-DC5BEFBEBC9C}"/>
+          </ac:spMkLst>
+        </pc:spChg>
+        <pc:spChg chg="del">
+          <ac:chgData name="Federico Perini" userId="dd6016fc4604f770" providerId="LiveId" clId="{45311A73-93A6-4B44-9F30-450DD51E0866}" dt="2021-05-13T13:36:14.070" v="473" actId="478"/>
+          <ac:spMkLst>
+            <pc:docMk/>
+            <pc:sldMk cId="3147353065" sldId="434"/>
+            <ac:spMk id="54" creationId="{D83B0A10-05E8-465E-B362-360F98679D3B}"/>
+          </ac:spMkLst>
+        </pc:spChg>
+        <pc:spChg chg="del">
+          <ac:chgData name="Federico Perini" userId="dd6016fc4604f770" providerId="LiveId" clId="{45311A73-93A6-4B44-9F30-450DD51E0866}" dt="2021-05-13T13:36:14.070" v="473" actId="478"/>
+          <ac:spMkLst>
+            <pc:docMk/>
+            <pc:sldMk cId="3147353065" sldId="434"/>
+            <ac:spMk id="57" creationId="{3D1E7587-D463-4CA6-A137-6BA51D6E9B1B}"/>
+          </ac:spMkLst>
+        </pc:spChg>
+        <pc:spChg chg="del">
+          <ac:chgData name="Federico Perini" userId="dd6016fc4604f770" providerId="LiveId" clId="{45311A73-93A6-4B44-9F30-450DD51E0866}" dt="2021-05-13T13:36:14.070" v="473" actId="478"/>
+          <ac:spMkLst>
+            <pc:docMk/>
+            <pc:sldMk cId="3147353065" sldId="434"/>
+            <ac:spMk id="58" creationId="{BEA21552-E8BA-447D-88CE-3EBCE3A50FF9}"/>
+          </ac:spMkLst>
+        </pc:spChg>
+        <pc:spChg chg="del">
+          <ac:chgData name="Federico Perini" userId="dd6016fc4604f770" providerId="LiveId" clId="{45311A73-93A6-4B44-9F30-450DD51E0866}" dt="2021-05-13T13:36:14.070" v="473" actId="478"/>
+          <ac:spMkLst>
+            <pc:docMk/>
+            <pc:sldMk cId="3147353065" sldId="434"/>
+            <ac:spMk id="59" creationId="{DDCBB5C1-086B-4DE8-AB82-5947664F5DEC}"/>
+          </ac:spMkLst>
+        </pc:spChg>
+        <pc:spChg chg="del">
+          <ac:chgData name="Federico Perini" userId="dd6016fc4604f770" providerId="LiveId" clId="{45311A73-93A6-4B44-9F30-450DD51E0866}" dt="2021-05-13T13:36:14.070" v="473" actId="478"/>
+          <ac:spMkLst>
+            <pc:docMk/>
+            <pc:sldMk cId="3147353065" sldId="434"/>
+            <ac:spMk id="75" creationId="{2937CF8F-1219-4822-8DAA-9263CD56EC68}"/>
+          </ac:spMkLst>
+        </pc:spChg>
+        <pc:spChg chg="del">
+          <ac:chgData name="Federico Perini" userId="dd6016fc4604f770" providerId="LiveId" clId="{45311A73-93A6-4B44-9F30-450DD51E0866}" dt="2021-05-13T13:36:14.070" v="473" actId="478"/>
+          <ac:spMkLst>
+            <pc:docMk/>
+            <pc:sldMk cId="3147353065" sldId="434"/>
+            <ac:spMk id="76" creationId="{C875A2FB-911C-4423-8DCD-31E9B8A97E69}"/>
+          </ac:spMkLst>
+        </pc:spChg>
+        <pc:spChg chg="del">
+          <ac:chgData name="Federico Perini" userId="dd6016fc4604f770" providerId="LiveId" clId="{45311A73-93A6-4B44-9F30-450DD51E0866}" dt="2021-05-13T13:36:14.070" v="473" actId="478"/>
+          <ac:spMkLst>
+            <pc:docMk/>
+            <pc:sldMk cId="3147353065" sldId="434"/>
+            <ac:spMk id="78" creationId="{ECF36B7F-E5A4-4459-A2B1-84E6741D3DCD}"/>
+          </ac:spMkLst>
+        </pc:spChg>
+        <pc:spChg chg="del">
+          <ac:chgData name="Federico Perini" userId="dd6016fc4604f770" providerId="LiveId" clId="{45311A73-93A6-4B44-9F30-450DD51E0866}" dt="2021-05-13T13:36:14.070" v="473" actId="478"/>
+          <ac:spMkLst>
+            <pc:docMk/>
+            <pc:sldMk cId="3147353065" sldId="434"/>
+            <ac:spMk id="79" creationId="{7BED8B2B-BE3F-4350-947E-211AD236E89D}"/>
+          </ac:spMkLst>
+        </pc:spChg>
+        <pc:spChg chg="del">
+          <ac:chgData name="Federico Perini" userId="dd6016fc4604f770" providerId="LiveId" clId="{45311A73-93A6-4B44-9F30-450DD51E0866}" dt="2021-05-13T13:36:14.070" v="473" actId="478"/>
+          <ac:spMkLst>
+            <pc:docMk/>
+            <pc:sldMk cId="3147353065" sldId="434"/>
+            <ac:spMk id="82" creationId="{FE47F98E-E595-4877-A0E6-CCF4DF559AF6}"/>
+          </ac:spMkLst>
+        </pc:spChg>
+        <pc:spChg chg="del">
+          <ac:chgData name="Federico Perini" userId="dd6016fc4604f770" providerId="LiveId" clId="{45311A73-93A6-4B44-9F30-450DD51E0866}" dt="2021-05-13T13:36:14.070" v="473" actId="478"/>
+          <ac:spMkLst>
+            <pc:docMk/>
+            <pc:sldMk cId="3147353065" sldId="434"/>
+            <ac:spMk id="83" creationId="{91724388-540C-41E8-BF8E-1AF7164F5375}"/>
+          </ac:spMkLst>
+        </pc:spChg>
+        <pc:spChg chg="del">
+          <ac:chgData name="Federico Perini" userId="dd6016fc4604f770" providerId="LiveId" clId="{45311A73-93A6-4B44-9F30-450DD51E0866}" dt="2021-05-13T13:36:14.070" v="473" actId="478"/>
+          <ac:spMkLst>
+            <pc:docMk/>
+            <pc:sldMk cId="3147353065" sldId="434"/>
+            <ac:spMk id="88" creationId="{D73853DF-6832-4DC8-B37B-50FBA225AE9D}"/>
+          </ac:spMkLst>
+        </pc:spChg>
+        <pc:spChg chg="del">
+          <ac:chgData name="Federico Perini" userId="dd6016fc4604f770" providerId="LiveId" clId="{45311A73-93A6-4B44-9F30-450DD51E0866}" dt="2021-05-13T13:36:14.070" v="473" actId="478"/>
+          <ac:spMkLst>
+            <pc:docMk/>
+            <pc:sldMk cId="3147353065" sldId="434"/>
+            <ac:spMk id="94" creationId="{B0BA9FDC-4322-4D85-B8B4-8465F7005462}"/>
+          </ac:spMkLst>
+        </pc:spChg>
+        <pc:cxnChg chg="del">
+          <ac:chgData name="Federico Perini" userId="dd6016fc4604f770" providerId="LiveId" clId="{45311A73-93A6-4B44-9F30-450DD51E0866}" dt="2021-05-13T13:36:14.070" v="473" actId="478"/>
+          <ac:cxnSpMkLst>
+            <pc:docMk/>
+            <pc:sldMk cId="3147353065" sldId="434"/>
+            <ac:cxnSpMk id="4" creationId="{7921328B-2C09-4125-AAA5-D3D09144D788}"/>
+          </ac:cxnSpMkLst>
+        </pc:cxnChg>
+        <pc:cxnChg chg="del">
+          <ac:chgData name="Federico Perini" userId="dd6016fc4604f770" providerId="LiveId" clId="{45311A73-93A6-4B44-9F30-450DD51E0866}" dt="2021-05-13T13:36:14.070" v="473" actId="478"/>
+          <ac:cxnSpMkLst>
+            <pc:docMk/>
+            <pc:sldMk cId="3147353065" sldId="434"/>
+            <ac:cxnSpMk id="8" creationId="{6C6AE182-4CEA-420F-B476-E11F3BA976A2}"/>
+          </ac:cxnSpMkLst>
+        </pc:cxnChg>
+        <pc:cxnChg chg="del mod">
+          <ac:chgData name="Federico Perini" userId="dd6016fc4604f770" providerId="LiveId" clId="{45311A73-93A6-4B44-9F30-450DD51E0866}" dt="2021-05-13T13:36:14.070" v="473" actId="478"/>
+          <ac:cxnSpMkLst>
+            <pc:docMk/>
+            <pc:sldMk cId="3147353065" sldId="434"/>
+            <ac:cxnSpMk id="14" creationId="{D6F4BFD0-4EBE-4A03-AE7C-DFB8001D33C0}"/>
+          </ac:cxnSpMkLst>
+        </pc:cxnChg>
+        <pc:cxnChg chg="del">
+          <ac:chgData name="Federico Perini" userId="dd6016fc4604f770" providerId="LiveId" clId="{45311A73-93A6-4B44-9F30-450DD51E0866}" dt="2021-05-13T13:36:14.070" v="473" actId="478"/>
+          <ac:cxnSpMkLst>
+            <pc:docMk/>
+            <pc:sldMk cId="3147353065" sldId="434"/>
+            <ac:cxnSpMk id="16" creationId="{87D2A089-4ED3-43BE-AC83-9498EE71977C}"/>
+          </ac:cxnSpMkLst>
+        </pc:cxnChg>
+        <pc:cxnChg chg="del">
+          <ac:chgData name="Federico Perini" userId="dd6016fc4604f770" providerId="LiveId" clId="{45311A73-93A6-4B44-9F30-450DD51E0866}" dt="2021-05-13T13:36:14.070" v="473" actId="478"/>
+          <ac:cxnSpMkLst>
+            <pc:docMk/>
+            <pc:sldMk cId="3147353065" sldId="434"/>
+            <ac:cxnSpMk id="22" creationId="{1161C517-2388-44AB-BF33-CF9C6F4F225A}"/>
+          </ac:cxnSpMkLst>
+        </pc:cxnChg>
+        <pc:cxnChg chg="del">
+          <ac:chgData name="Federico Perini" userId="dd6016fc4604f770" providerId="LiveId" clId="{45311A73-93A6-4B44-9F30-450DD51E0866}" dt="2021-05-13T13:36:14.070" v="473" actId="478"/>
+          <ac:cxnSpMkLst>
+            <pc:docMk/>
+            <pc:sldMk cId="3147353065" sldId="434"/>
+            <ac:cxnSpMk id="30" creationId="{420131B1-DB1A-4213-BED5-FB75D48EC56C}"/>
+          </ac:cxnSpMkLst>
+        </pc:cxnChg>
+        <pc:cxnChg chg="del">
+          <ac:chgData name="Federico Perini" userId="dd6016fc4604f770" providerId="LiveId" clId="{45311A73-93A6-4B44-9F30-450DD51E0866}" dt="2021-05-13T13:36:14.070" v="473" actId="478"/>
+          <ac:cxnSpMkLst>
+            <pc:docMk/>
+            <pc:sldMk cId="3147353065" sldId="434"/>
+            <ac:cxnSpMk id="45" creationId="{1BE5D484-2BB9-4D8F-A8B0-16AA8E722A8C}"/>
+          </ac:cxnSpMkLst>
+        </pc:cxnChg>
+        <pc:cxnChg chg="del">
+          <ac:chgData name="Federico Perini" userId="dd6016fc4604f770" providerId="LiveId" clId="{45311A73-93A6-4B44-9F30-450DD51E0866}" dt="2021-05-13T13:36:14.070" v="473" actId="478"/>
+          <ac:cxnSpMkLst>
+            <pc:docMk/>
+            <pc:sldMk cId="3147353065" sldId="434"/>
+            <ac:cxnSpMk id="49" creationId="{BAB3B170-8502-4525-9CD5-6E6206926D5A}"/>
+          </ac:cxnSpMkLst>
+        </pc:cxnChg>
+        <pc:cxnChg chg="del">
+          <ac:chgData name="Federico Perini" userId="dd6016fc4604f770" providerId="LiveId" clId="{45311A73-93A6-4B44-9F30-450DD51E0866}" dt="2021-05-13T13:36:14.070" v="473" actId="478"/>
+          <ac:cxnSpMkLst>
+            <pc:docMk/>
+            <pc:sldMk cId="3147353065" sldId="434"/>
+            <ac:cxnSpMk id="55" creationId="{65CF02BF-D5A7-402B-BA1B-E80DA402FAD9}"/>
+          </ac:cxnSpMkLst>
+        </pc:cxnChg>
+        <pc:cxnChg chg="del mod">
+          <ac:chgData name="Federico Perini" userId="dd6016fc4604f770" providerId="LiveId" clId="{45311A73-93A6-4B44-9F30-450DD51E0866}" dt="2021-05-13T13:36:14.070" v="473" actId="478"/>
+          <ac:cxnSpMkLst>
+            <pc:docMk/>
+            <pc:sldMk cId="3147353065" sldId="434"/>
+            <ac:cxnSpMk id="60" creationId="{DDB012EF-6910-4B4B-9967-32F9DB68CE01}"/>
+          </ac:cxnSpMkLst>
+        </pc:cxnChg>
+        <pc:cxnChg chg="del">
+          <ac:chgData name="Federico Perini" userId="dd6016fc4604f770" providerId="LiveId" clId="{45311A73-93A6-4B44-9F30-450DD51E0866}" dt="2021-05-13T13:36:14.070" v="473" actId="478"/>
+          <ac:cxnSpMkLst>
+            <pc:docMk/>
+            <pc:sldMk cId="3147353065" sldId="434"/>
+            <ac:cxnSpMk id="65" creationId="{DC32CFDB-56A0-442D-A27C-85A671DD574C}"/>
+          </ac:cxnSpMkLst>
+        </pc:cxnChg>
+        <pc:cxnChg chg="del">
+          <ac:chgData name="Federico Perini" userId="dd6016fc4604f770" providerId="LiveId" clId="{45311A73-93A6-4B44-9F30-450DD51E0866}" dt="2021-05-13T13:36:14.070" v="473" actId="478"/>
+          <ac:cxnSpMkLst>
+            <pc:docMk/>
+            <pc:sldMk cId="3147353065" sldId="434"/>
+            <ac:cxnSpMk id="70" creationId="{8953562F-C7D9-4E28-A0C6-707427D82B9D}"/>
+          </ac:cxnSpMkLst>
+        </pc:cxnChg>
+        <pc:cxnChg chg="del">
+          <ac:chgData name="Federico Perini" userId="dd6016fc4604f770" providerId="LiveId" clId="{45311A73-93A6-4B44-9F30-450DD51E0866}" dt="2021-05-13T13:36:14.070" v="473" actId="478"/>
+          <ac:cxnSpMkLst>
+            <pc:docMk/>
+            <pc:sldMk cId="3147353065" sldId="434"/>
+            <ac:cxnSpMk id="72" creationId="{30C6D1F9-8033-457A-B790-2FE9248A4B28}"/>
+          </ac:cxnSpMkLst>
+        </pc:cxnChg>
+        <pc:cxnChg chg="del">
+          <ac:chgData name="Federico Perini" userId="dd6016fc4604f770" providerId="LiveId" clId="{45311A73-93A6-4B44-9F30-450DD51E0866}" dt="2021-05-13T13:36:14.070" v="473" actId="478"/>
+          <ac:cxnSpMkLst>
+            <pc:docMk/>
+            <pc:sldMk cId="3147353065" sldId="434"/>
+            <ac:cxnSpMk id="74" creationId="{AD19FD21-DB61-478E-9A2A-008D16CCC0BD}"/>
+          </ac:cxnSpMkLst>
+        </pc:cxnChg>
+        <pc:cxnChg chg="del mod">
+          <ac:chgData name="Federico Perini" userId="dd6016fc4604f770" providerId="LiveId" clId="{45311A73-93A6-4B44-9F30-450DD51E0866}" dt="2021-05-13T13:36:14.070" v="473" actId="478"/>
+          <ac:cxnSpMkLst>
+            <pc:docMk/>
+            <pc:sldMk cId="3147353065" sldId="434"/>
+            <ac:cxnSpMk id="85" creationId="{038B7F5A-50BD-4100-93AF-6AB60ACB9648}"/>
+          </ac:cxnSpMkLst>
+        </pc:cxnChg>
+        <pc:cxnChg chg="del">
+          <ac:chgData name="Federico Perini" userId="dd6016fc4604f770" providerId="LiveId" clId="{45311A73-93A6-4B44-9F30-450DD51E0866}" dt="2021-05-13T13:36:14.070" v="473" actId="478"/>
+          <ac:cxnSpMkLst>
+            <pc:docMk/>
+            <pc:sldMk cId="3147353065" sldId="434"/>
+            <ac:cxnSpMk id="87" creationId="{F4B3DE11-F99E-4636-B2A9-83D1F5D3F86E}"/>
+          </ac:cxnSpMkLst>
+        </pc:cxnChg>
+        <pc:cxnChg chg="del">
+          <ac:chgData name="Federico Perini" userId="dd6016fc4604f770" providerId="LiveId" clId="{45311A73-93A6-4B44-9F30-450DD51E0866}" dt="2021-05-13T13:36:14.070" v="473" actId="478"/>
+          <ac:cxnSpMkLst>
+            <pc:docMk/>
+            <pc:sldMk cId="3147353065" sldId="434"/>
+            <ac:cxnSpMk id="90" creationId="{9C2634F4-84AB-4B9C-BDB7-465B195DD0ED}"/>
+          </ac:cxnSpMkLst>
+        </pc:cxnChg>
+        <pc:cxnChg chg="del mod">
+          <ac:chgData name="Federico Perini" userId="dd6016fc4604f770" providerId="LiveId" clId="{45311A73-93A6-4B44-9F30-450DD51E0866}" dt="2021-05-13T13:36:14.070" v="473" actId="478"/>
+          <ac:cxnSpMkLst>
+            <pc:docMk/>
+            <pc:sldMk cId="3147353065" sldId="434"/>
             <ac:cxnSpMk id="93" creationId="{2B8D53CD-BB92-4468-8B42-E8242A3114A3}"/>
           </ac:cxnSpMkLst>
         </pc:cxnChg>
@@ -7005,8 +7365,8 @@
           </a:p>
         </p:txBody>
       </p:sp>
-      <mc:AlternateContent xmlns:mc="http://schemas.openxmlformats.org/markup-compatibility/2006">
-        <mc:Choice xmlns:a14="http://schemas.microsoft.com/office/drawing/2010/main" Requires="a14">
+      <mc:AlternateContent xmlns:mc="http://schemas.openxmlformats.org/markup-compatibility/2006" xmlns:a14="http://schemas.microsoft.com/office/drawing/2010/main">
+        <mc:Choice Requires="a14">
           <p:sp>
             <p:nvSpPr>
               <p:cNvPr id="27" name="TextBox 26">
@@ -7035,6 +7395,7 @@
               </a:bodyPr>
               <a:lstStyle/>
               <a:p>
+                <a:pPr/>
                 <a14:m>
                   <m:oMathPara xmlns:m="http://schemas.openxmlformats.org/officeDocument/2006/math">
                     <m:oMathParaPr>
@@ -7138,7 +7499,7 @@
             </p:txBody>
           </p:sp>
         </mc:Choice>
-        <mc:Fallback>
+        <mc:Fallback xmlns="">
           <p:sp>
             <p:nvSpPr>
               <p:cNvPr id="27" name="TextBox 26">
@@ -7533,8 +7894,8 @@
           </a:p>
         </p:txBody>
       </p:sp>
-      <mc:AlternateContent xmlns:mc="http://schemas.openxmlformats.org/markup-compatibility/2006">
-        <mc:Choice xmlns:a14="http://schemas.microsoft.com/office/drawing/2010/main" Requires="a14">
+      <mc:AlternateContent xmlns:mc="http://schemas.openxmlformats.org/markup-compatibility/2006" xmlns:a14="http://schemas.microsoft.com/office/drawing/2010/main">
+        <mc:Choice Requires="a14">
           <p:sp>
             <p:nvSpPr>
               <p:cNvPr id="59" name="TextBox 58">
@@ -7563,6 +7924,7 @@
               </a:bodyPr>
               <a:lstStyle/>
               <a:p>
+                <a:pPr/>
                 <a14:m>
                   <m:oMathPara xmlns:m="http://schemas.openxmlformats.org/officeDocument/2006/math">
                     <m:oMathParaPr>
@@ -7651,7 +8013,7 @@
             </p:txBody>
           </p:sp>
         </mc:Choice>
-        <mc:Fallback>
+        <mc:Fallback xmlns="">
           <p:sp>
             <p:nvSpPr>
               <p:cNvPr id="59" name="TextBox 58">
@@ -8132,8 +8494,8 @@
           </a:p>
         </p:txBody>
       </p:sp>
-      <mc:AlternateContent xmlns:mc="http://schemas.openxmlformats.org/markup-compatibility/2006">
-        <mc:Choice xmlns:a14="http://schemas.microsoft.com/office/drawing/2010/main" Requires="a14">
+      <mc:AlternateContent xmlns:mc="http://schemas.openxmlformats.org/markup-compatibility/2006" xmlns:a14="http://schemas.microsoft.com/office/drawing/2010/main">
+        <mc:Choice Requires="a14">
           <p:sp>
             <p:nvSpPr>
               <p:cNvPr id="82" name="TextBox 81">
@@ -8162,6 +8524,7 @@
               </a:bodyPr>
               <a:lstStyle/>
               <a:p>
+                <a:pPr/>
                 <a14:m>
                   <m:oMathPara xmlns:m="http://schemas.openxmlformats.org/officeDocument/2006/math">
                     <m:oMathParaPr>
@@ -8221,7 +8584,7 @@
             </p:txBody>
           </p:sp>
         </mc:Choice>
-        <mc:Fallback>
+        <mc:Fallback xmlns="">
           <p:sp>
             <p:nvSpPr>
               <p:cNvPr id="82" name="TextBox 81">
@@ -8266,8 +8629,8 @@
           </p:sp>
         </mc:Fallback>
       </mc:AlternateContent>
-      <mc:AlternateContent xmlns:mc="http://schemas.openxmlformats.org/markup-compatibility/2006">
-        <mc:Choice xmlns:a14="http://schemas.microsoft.com/office/drawing/2010/main" Requires="a14">
+      <mc:AlternateContent xmlns:mc="http://schemas.openxmlformats.org/markup-compatibility/2006" xmlns:a14="http://schemas.microsoft.com/office/drawing/2010/main">
+        <mc:Choice Requires="a14">
           <p:sp>
             <p:nvSpPr>
               <p:cNvPr id="83" name="TextBox 82">
@@ -8296,6 +8659,7 @@
               </a:bodyPr>
               <a:lstStyle/>
               <a:p>
+                <a:pPr/>
                 <a14:m>
                   <m:oMathPara xmlns:m="http://schemas.openxmlformats.org/officeDocument/2006/math">
                     <m:oMathParaPr>
@@ -8355,7 +8719,7 @@
             </p:txBody>
           </p:sp>
         </mc:Choice>
-        <mc:Fallback>
+        <mc:Fallback xmlns="">
           <p:sp>
             <p:nvSpPr>
               <p:cNvPr id="83" name="TextBox 82">
@@ -8648,6 +9012,527 @@
     <p:extLst>
       <p:ext uri="{BB962C8B-B14F-4D97-AF65-F5344CB8AC3E}">
         <p14:creationId xmlns:p14="http://schemas.microsoft.com/office/powerpoint/2010/main" val="2843157709"/>
+      </p:ext>
+    </p:extLst>
+  </p:cSld>
+  <p:clrMapOvr>
+    <a:masterClrMapping/>
+  </p:clrMapOvr>
+</p:sld>
+</file>
+
+<file path=ppt/slides/slide3.xml><?xml version="1.0" encoding="utf-8"?>
+<p:sld xmlns:a="http://schemas.openxmlformats.org/drawingml/2006/main" xmlns:r="http://schemas.openxmlformats.org/officeDocument/2006/relationships" xmlns:p="http://schemas.openxmlformats.org/presentationml/2006/main">
+  <p:cSld>
+    <p:spTree>
+      <p:nvGrpSpPr>
+        <p:cNvPr id="1" name=""/>
+        <p:cNvGrpSpPr/>
+        <p:nvPr/>
+      </p:nvGrpSpPr>
+      <p:grpSpPr>
+        <a:xfrm>
+          <a:off x="0" y="0"/>
+          <a:ext cx="0" cy="0"/>
+          <a:chOff x="0" y="0"/>
+          <a:chExt cx="0" cy="0"/>
+        </a:xfrm>
+      </p:grpSpPr>
+      <mc:AlternateContent xmlns:mc="http://schemas.openxmlformats.org/markup-compatibility/2006">
+        <mc:Choice xmlns:a14="http://schemas.microsoft.com/office/drawing/2010/main" Requires="a14">
+          <p:sp>
+            <p:nvSpPr>
+              <p:cNvPr id="2" name="TextBox 1">
+                <a:extLst>
+                  <a:ext uri="{FF2B5EF4-FFF2-40B4-BE49-F238E27FC236}">
+                    <a16:creationId xmlns:a16="http://schemas.microsoft.com/office/drawing/2014/main" id="{7CA85727-4A73-4B10-8178-C06B0B2B33C5}"/>
+                  </a:ext>
+                </a:extLst>
+              </p:cNvPr>
+              <p:cNvSpPr txBox="1"/>
+              <p:nvPr/>
+            </p:nvSpPr>
+            <p:spPr>
+              <a:xfrm>
+                <a:off x="2829024" y="1892539"/>
+                <a:ext cx="5331268" cy="1157048"/>
+              </a:xfrm>
+              <a:prstGeom prst="rect">
+                <a:avLst/>
+              </a:prstGeom>
+              <a:noFill/>
+            </p:spPr>
+            <p:txBody>
+              <a:bodyPr wrap="none" lIns="0" tIns="0" rIns="0" bIns="0" rtlCol="0">
+                <a:spAutoFit/>
+              </a:bodyPr>
+              <a:lstStyle/>
+              <a:p>
+                <a14:m>
+                  <m:oMathPara xmlns:m="http://schemas.openxmlformats.org/officeDocument/2006/math">
+                    <m:oMathParaPr>
+                      <m:jc m:val="centerGroup"/>
+                    </m:oMathParaPr>
+                    <m:oMath xmlns:m="http://schemas.openxmlformats.org/officeDocument/2006/math">
+                      <m:limLow>
+                        <m:limLowPr>
+                          <m:ctrlPr>
+                            <a:rPr lang="en-US" b="0" i="1" smtClean="0">
+                              <a:latin typeface="Cambria Math" panose="02040503050406030204" pitchFamily="18" charset="0"/>
+                            </a:rPr>
+                          </m:ctrlPr>
+                        </m:limLowPr>
+                        <m:e>
+                          <m:groupChr>
+                            <m:groupChrPr>
+                              <m:chr m:val="⏟"/>
+                              <m:ctrlPr>
+                                <a:rPr lang="en-US" b="0" i="1" smtClean="0">
+                                  <a:latin typeface="Cambria Math" panose="02040503050406030204" pitchFamily="18" charset="0"/>
+                                </a:rPr>
+                              </m:ctrlPr>
+                            </m:groupChrPr>
+                            <m:e>
+                              <m:f>
+                                <m:fPr>
+                                  <m:ctrlPr>
+                                    <a:rPr lang="en-US" i="1">
+                                      <a:latin typeface="Cambria Math" panose="02040503050406030204" pitchFamily="18" charset="0"/>
+                                    </a:rPr>
+                                  </m:ctrlPr>
+                                </m:fPr>
+                                <m:num>
+                                  <m:r>
+                                    <a:rPr lang="en-US" i="1">
+                                      <a:latin typeface="Cambria Math" panose="02040503050406030204" pitchFamily="18" charset="0"/>
+                                    </a:rPr>
+                                    <m:t>𝜕𝜌𝜙</m:t>
+                                  </m:r>
+                                </m:num>
+                                <m:den>
+                                  <m:r>
+                                    <a:rPr lang="en-US" i="1">
+                                      <a:latin typeface="Cambria Math" panose="02040503050406030204" pitchFamily="18" charset="0"/>
+                                    </a:rPr>
+                                    <m:t>𝜕</m:t>
+                                  </m:r>
+                                  <m:r>
+                                    <a:rPr lang="en-US" i="1">
+                                      <a:latin typeface="Cambria Math" panose="02040503050406030204" pitchFamily="18" charset="0"/>
+                                    </a:rPr>
+                                    <m:t>𝑡</m:t>
+                                  </m:r>
+                                </m:den>
+                              </m:f>
+                              <m:r>
+                                <a:rPr lang="en-US" i="1">
+                                  <a:latin typeface="Cambria Math" panose="02040503050406030204" pitchFamily="18" charset="0"/>
+                                </a:rPr>
+                                <m:t>+</m:t>
+                              </m:r>
+                              <m:limUpp>
+                                <m:limUppPr>
+                                  <m:ctrlPr>
+                                    <a:rPr lang="en-US" i="1" smtClean="0">
+                                      <a:latin typeface="Cambria Math" panose="02040503050406030204" pitchFamily="18" charset="0"/>
+                                    </a:rPr>
+                                  </m:ctrlPr>
+                                </m:limUppPr>
+                                <m:e>
+                                  <m:groupChr>
+                                    <m:groupChrPr>
+                                      <m:chr m:val="⏞"/>
+                                      <m:pos m:val="top"/>
+                                      <m:vertJc m:val="bot"/>
+                                      <m:ctrlPr>
+                                        <a:rPr lang="en-US" i="1" smtClean="0">
+                                          <a:latin typeface="Cambria Math" panose="02040503050406030204" pitchFamily="18" charset="0"/>
+                                        </a:rPr>
+                                      </m:ctrlPr>
+                                    </m:groupChrPr>
+                                    <m:e>
+                                      <m:r>
+                                        <m:rPr>
+                                          <m:sty m:val="p"/>
+                                        </m:rPr>
+                                        <a:rPr lang="en-US">
+                                          <a:latin typeface="Cambria Math" panose="02040503050406030204" pitchFamily="18" charset="0"/>
+                                        </a:rPr>
+                                        <m:t>∇</m:t>
+                                      </m:r>
+                                      <m:r>
+                                        <a:rPr lang="en-US" i="1">
+                                          <a:latin typeface="Cambria Math" panose="02040503050406030204" pitchFamily="18" charset="0"/>
+                                        </a:rPr>
+                                        <m:t>⋅</m:t>
+                                      </m:r>
+                                      <m:d>
+                                        <m:dPr>
+                                          <m:ctrlPr>
+                                            <a:rPr lang="en-US" i="1">
+                                              <a:latin typeface="Cambria Math" panose="02040503050406030204" pitchFamily="18" charset="0"/>
+                                            </a:rPr>
+                                          </m:ctrlPr>
+                                        </m:dPr>
+                                        <m:e>
+                                          <m:r>
+                                            <a:rPr lang="en-US" i="1">
+                                              <a:latin typeface="Cambria Math" panose="02040503050406030204" pitchFamily="18" charset="0"/>
+                                            </a:rPr>
+                                            <m:t>𝜌</m:t>
+                                          </m:r>
+                                          <m:r>
+                                            <a:rPr lang="en-US" i="1">
+                                              <a:latin typeface="Cambria Math" panose="02040503050406030204" pitchFamily="18" charset="0"/>
+                                            </a:rPr>
+                                            <m:t>𝐷</m:t>
+                                          </m:r>
+                                          <m:r>
+                                            <m:rPr>
+                                              <m:sty m:val="p"/>
+                                            </m:rPr>
+                                            <a:rPr lang="en-US">
+                                              <a:latin typeface="Cambria Math" panose="02040503050406030204" pitchFamily="18" charset="0"/>
+                                            </a:rPr>
+                                            <m:t>∇</m:t>
+                                          </m:r>
+                                          <m:r>
+                                            <a:rPr lang="en-US" i="1">
+                                              <a:latin typeface="Cambria Math" panose="02040503050406030204" pitchFamily="18" charset="0"/>
+                                            </a:rPr>
+                                            <m:t>𝜙</m:t>
+                                          </m:r>
+                                        </m:e>
+                                      </m:d>
+                                    </m:e>
+                                  </m:groupChr>
+                                </m:e>
+                                <m:lim>
+                                  <m:r>
+                                    <m:rPr>
+                                      <m:sty m:val="p"/>
+                                    </m:rPr>
+                                    <a:rPr lang="en-US" b="0" i="0" smtClean="0">
+                                      <a:latin typeface="Cambria Math" panose="02040503050406030204" pitchFamily="18" charset="0"/>
+                                    </a:rPr>
+                                    <m:t>diffusion</m:t>
+                                  </m:r>
+                                </m:lim>
+                              </m:limUpp>
+                            </m:e>
+                          </m:groupChr>
+                        </m:e>
+                        <m:lim>
+                          <m:r>
+                            <m:rPr>
+                              <m:sty m:val="p"/>
+                            </m:rPr>
+                            <a:rPr lang="en-US" b="0" i="0" smtClean="0">
+                              <a:latin typeface="Cambria Math" panose="02040503050406030204" pitchFamily="18" charset="0"/>
+                            </a:rPr>
+                            <m:t>Phase</m:t>
+                          </m:r>
+                          <m:r>
+                            <a:rPr lang="en-US" b="0" i="0" smtClean="0">
+                              <a:latin typeface="Cambria Math" panose="02040503050406030204" pitchFamily="18" charset="0"/>
+                            </a:rPr>
+                            <m:t> </m:t>
+                          </m:r>
+                          <m:r>
+                            <m:rPr>
+                              <m:sty m:val="p"/>
+                            </m:rPr>
+                            <a:rPr lang="en-US" b="0" i="0" smtClean="0">
+                              <a:latin typeface="Cambria Math" panose="02040503050406030204" pitchFamily="18" charset="0"/>
+                            </a:rPr>
+                            <m:t>B</m:t>
+                          </m:r>
+                        </m:lim>
+                      </m:limLow>
+                      <m:r>
+                        <a:rPr lang="en-US" b="0" i="1" smtClean="0">
+                          <a:latin typeface="Cambria Math" panose="02040503050406030204" pitchFamily="18" charset="0"/>
+                        </a:rPr>
+                        <m:t>+</m:t>
+                      </m:r>
+                      <m:limLow>
+                        <m:limLowPr>
+                          <m:ctrlPr>
+                            <a:rPr lang="en-US" b="0" i="1" smtClean="0">
+                              <a:latin typeface="Cambria Math" panose="02040503050406030204" pitchFamily="18" charset="0"/>
+                            </a:rPr>
+                          </m:ctrlPr>
+                        </m:limLowPr>
+                        <m:e>
+                          <m:groupChr>
+                            <m:groupChrPr>
+                              <m:chr m:val="⏟"/>
+                              <m:ctrlPr>
+                                <a:rPr lang="en-US" b="0" i="1" smtClean="0">
+                                  <a:latin typeface="Cambria Math" panose="02040503050406030204" pitchFamily="18" charset="0"/>
+                                </a:rPr>
+                              </m:ctrlPr>
+                            </m:groupChrPr>
+                            <m:e>
+                              <m:limUpp>
+                                <m:limUppPr>
+                                  <m:ctrlPr>
+                                    <a:rPr lang="en-US" b="0" i="1" smtClean="0">
+                                      <a:latin typeface="Cambria Math" panose="02040503050406030204" pitchFamily="18" charset="0"/>
+                                    </a:rPr>
+                                  </m:ctrlPr>
+                                </m:limUppPr>
+                                <m:e>
+                                  <m:groupChr>
+                                    <m:groupChrPr>
+                                      <m:chr m:val="⏞"/>
+                                      <m:pos m:val="top"/>
+                                      <m:vertJc m:val="bot"/>
+                                      <m:ctrlPr>
+                                        <a:rPr lang="en-US" b="0" i="1" smtClean="0">
+                                          <a:latin typeface="Cambria Math" panose="02040503050406030204" pitchFamily="18" charset="0"/>
+                                        </a:rPr>
+                                      </m:ctrlPr>
+                                    </m:groupChrPr>
+                                    <m:e>
+                                      <m:r>
+                                        <m:rPr>
+                                          <m:sty m:val="p"/>
+                                        </m:rPr>
+                                        <a:rPr lang="en-US">
+                                          <a:latin typeface="Cambria Math" panose="02040503050406030204" pitchFamily="18" charset="0"/>
+                                        </a:rPr>
+                                        <m:t>∇</m:t>
+                                      </m:r>
+                                      <m:r>
+                                        <a:rPr lang="en-US" i="1">
+                                          <a:latin typeface="Cambria Math" panose="02040503050406030204" pitchFamily="18" charset="0"/>
+                                        </a:rPr>
+                                        <m:t>⋅</m:t>
+                                      </m:r>
+                                      <m:d>
+                                        <m:dPr>
+                                          <m:ctrlPr>
+                                            <a:rPr lang="en-US" i="1">
+                                              <a:latin typeface="Cambria Math" panose="02040503050406030204" pitchFamily="18" charset="0"/>
+                                            </a:rPr>
+                                          </m:ctrlPr>
+                                        </m:dPr>
+                                        <m:e>
+                                          <m:r>
+                                            <a:rPr lang="en-US" i="1">
+                                              <a:latin typeface="Cambria Math" panose="02040503050406030204" pitchFamily="18" charset="0"/>
+                                            </a:rPr>
+                                            <m:t>𝜌</m:t>
+                                          </m:r>
+                                          <m:r>
+                                            <a:rPr lang="en-US" b="1">
+                                              <a:latin typeface="Cambria Math" panose="02040503050406030204" pitchFamily="18" charset="0"/>
+                                            </a:rPr>
+                                            <m:t>𝐮</m:t>
+                                          </m:r>
+                                          <m:r>
+                                            <a:rPr lang="en-US" i="1">
+                                              <a:latin typeface="Cambria Math" panose="02040503050406030204" pitchFamily="18" charset="0"/>
+                                            </a:rPr>
+                                            <m:t>𝜙</m:t>
+                                          </m:r>
+                                        </m:e>
+                                      </m:d>
+                                    </m:e>
+                                  </m:groupChr>
+                                </m:e>
+                                <m:lim>
+                                  <m:r>
+                                    <m:rPr>
+                                      <m:sty m:val="p"/>
+                                    </m:rPr>
+                                    <a:rPr lang="en-US" b="0" i="0" smtClean="0">
+                                      <a:latin typeface="Cambria Math" panose="02040503050406030204" pitchFamily="18" charset="0"/>
+                                    </a:rPr>
+                                    <m:t>advection</m:t>
+                                  </m:r>
+                                </m:lim>
+                              </m:limUpp>
+                            </m:e>
+                          </m:groupChr>
+                        </m:e>
+                        <m:lim>
+                          <m:r>
+                            <m:rPr>
+                              <m:sty m:val="p"/>
+                            </m:rPr>
+                            <a:rPr lang="en-US" b="0" i="0" smtClean="0">
+                              <a:latin typeface="Cambria Math" panose="02040503050406030204" pitchFamily="18" charset="0"/>
+                            </a:rPr>
+                            <m:t>Phase</m:t>
+                          </m:r>
+                          <m:r>
+                            <a:rPr lang="en-US" b="0" i="0" smtClean="0">
+                              <a:latin typeface="Cambria Math" panose="02040503050406030204" pitchFamily="18" charset="0"/>
+                            </a:rPr>
+                            <m:t> </m:t>
+                          </m:r>
+                          <m:r>
+                            <m:rPr>
+                              <m:sty m:val="p"/>
+                            </m:rPr>
+                            <a:rPr lang="en-US" b="0" i="0" smtClean="0">
+                              <a:latin typeface="Cambria Math" panose="02040503050406030204" pitchFamily="18" charset="0"/>
+                            </a:rPr>
+                            <m:t>C</m:t>
+                          </m:r>
+                        </m:lim>
+                      </m:limLow>
+                      <m:r>
+                        <a:rPr lang="en-US" b="0" i="1" smtClean="0">
+                          <a:latin typeface="Cambria Math" panose="02040503050406030204" pitchFamily="18" charset="0"/>
+                        </a:rPr>
+                        <m:t>=</m:t>
+                      </m:r>
+                      <m:limLow>
+                        <m:limLowPr>
+                          <m:ctrlPr>
+                            <a:rPr lang="en-US" b="0" i="1" smtClean="0">
+                              <a:latin typeface="Cambria Math" panose="02040503050406030204" pitchFamily="18" charset="0"/>
+                            </a:rPr>
+                          </m:ctrlPr>
+                        </m:limLowPr>
+                        <m:e>
+                          <m:groupChr>
+                            <m:groupChrPr>
+                              <m:chr m:val="⏟"/>
+                              <m:ctrlPr>
+                                <a:rPr lang="en-US" b="0" i="1" smtClean="0">
+                                  <a:latin typeface="Cambria Math" panose="02040503050406030204" pitchFamily="18" charset="0"/>
+                                </a:rPr>
+                              </m:ctrlPr>
+                            </m:groupChrPr>
+                            <m:e>
+                              <m:sSub>
+                                <m:sSubPr>
+                                  <m:ctrlPr>
+                                    <a:rPr lang="en-US" i="1">
+                                      <a:latin typeface="Cambria Math" panose="02040503050406030204" pitchFamily="18" charset="0"/>
+                                    </a:rPr>
+                                  </m:ctrlPr>
+                                </m:sSubPr>
+                                <m:e>
+                                  <m:acc>
+                                    <m:accPr>
+                                      <m:chr m:val="̇"/>
+                                      <m:ctrlPr>
+                                        <a:rPr lang="en-US" i="1">
+                                          <a:latin typeface="Cambria Math" panose="02040503050406030204" pitchFamily="18" charset="0"/>
+                                        </a:rPr>
+                                      </m:ctrlPr>
+                                    </m:accPr>
+                                    <m:e>
+                                      <m:r>
+                                        <a:rPr lang="en-US" i="1">
+                                          <a:latin typeface="Cambria Math" panose="02040503050406030204" pitchFamily="18" charset="0"/>
+                                        </a:rPr>
+                                        <m:t>𝑆</m:t>
+                                      </m:r>
+                                    </m:e>
+                                  </m:acc>
+                                </m:e>
+                                <m:sub>
+                                  <m:r>
+                                    <a:rPr lang="en-US" i="1">
+                                      <a:latin typeface="Cambria Math" panose="02040503050406030204" pitchFamily="18" charset="0"/>
+                                    </a:rPr>
+                                    <m:t>𝜙</m:t>
+                                  </m:r>
+                                </m:sub>
+                              </m:sSub>
+                            </m:e>
+                          </m:groupChr>
+                        </m:e>
+                        <m:lim>
+                          <m:r>
+                            <m:rPr>
+                              <m:sty m:val="p"/>
+                            </m:rPr>
+                            <a:rPr lang="en-US" b="0" i="0" smtClean="0">
+                              <a:latin typeface="Cambria Math" panose="02040503050406030204" pitchFamily="18" charset="0"/>
+                            </a:rPr>
+                            <m:t>Phase</m:t>
+                          </m:r>
+                          <m:r>
+                            <a:rPr lang="en-US" b="0" i="0" smtClean="0">
+                              <a:latin typeface="Cambria Math" panose="02040503050406030204" pitchFamily="18" charset="0"/>
+                            </a:rPr>
+                            <m:t> </m:t>
+                          </m:r>
+                          <m:r>
+                            <m:rPr>
+                              <m:sty m:val="p"/>
+                            </m:rPr>
+                            <a:rPr lang="en-US" b="0" i="0" smtClean="0">
+                              <a:latin typeface="Cambria Math" panose="02040503050406030204" pitchFamily="18" charset="0"/>
+                            </a:rPr>
+                            <m:t>A</m:t>
+                          </m:r>
+                        </m:lim>
+                      </m:limLow>
+                    </m:oMath>
+                  </m:oMathPara>
+                </a14:m>
+                <a:endParaRPr lang="en-US" dirty="0"/>
+              </a:p>
+            </p:txBody>
+          </p:sp>
+        </mc:Choice>
+        <mc:Fallback>
+          <p:sp>
+            <p:nvSpPr>
+              <p:cNvPr id="2" name="TextBox 1">
+                <a:extLst>
+                  <a:ext uri="{FF2B5EF4-FFF2-40B4-BE49-F238E27FC236}">
+                    <a16:creationId xmlns:a16="http://schemas.microsoft.com/office/drawing/2014/main" id="{7CA85727-4A73-4B10-8178-C06B0B2B33C5}"/>
+                  </a:ext>
+                </a:extLst>
+              </p:cNvPr>
+              <p:cNvSpPr txBox="1">
+                <a:spLocks noRot="1" noChangeAspect="1" noMove="1" noResize="1" noEditPoints="1" noAdjustHandles="1" noChangeArrowheads="1" noChangeShapeType="1" noTextEdit="1"/>
+              </p:cNvSpPr>
+              <p:nvPr/>
+            </p:nvSpPr>
+            <p:spPr>
+              <a:xfrm>
+                <a:off x="2829024" y="1892539"/>
+                <a:ext cx="5331268" cy="1157048"/>
+              </a:xfrm>
+              <a:prstGeom prst="rect">
+                <a:avLst/>
+              </a:prstGeom>
+              <a:blipFill>
+                <a:blip r:embed="rId2"/>
+                <a:stretch>
+                  <a:fillRect/>
+                </a:stretch>
+              </a:blipFill>
+            </p:spPr>
+            <p:txBody>
+              <a:bodyPr/>
+              <a:lstStyle/>
+              <a:p>
+                <a:r>
+                  <a:rPr lang="en-US">
+                    <a:noFill/>
+                  </a:rPr>
+                  <a:t> </a:t>
+                </a:r>
+              </a:p>
+            </p:txBody>
+          </p:sp>
+        </mc:Fallback>
+      </mc:AlternateContent>
+    </p:spTree>
+    <p:extLst>
+      <p:ext uri="{BB962C8B-B14F-4D97-AF65-F5344CB8AC3E}">
+        <p14:creationId xmlns:p14="http://schemas.microsoft.com/office/powerpoint/2010/main" val="3147353065"/>
       </p:ext>
     </p:extLst>
   </p:cSld>
